--- a/US Bicycle Fatalities_Group 4_v2.pptx
+++ b/US Bicycle Fatalities_Group 4_v2.pptx
@@ -5,7 +5,7 @@
     <p:sldMasterId id="2147483660" r:id="rId1"/>
   </p:sldMasterIdLst>
   <p:notesMasterIdLst>
-    <p:notesMasterId r:id="rId19"/>
+    <p:notesMasterId r:id="rId20"/>
   </p:notesMasterIdLst>
   <p:sldIdLst>
     <p:sldId id="256" r:id="rId2"/>
@@ -24,7 +24,8 @@
     <p:sldId id="272" r:id="rId15"/>
     <p:sldId id="261" r:id="rId16"/>
     <p:sldId id="275" r:id="rId17"/>
-    <p:sldId id="274" r:id="rId18"/>
+    <p:sldId id="276" r:id="rId18"/>
+    <p:sldId id="274" r:id="rId19"/>
   </p:sldIdLst>
   <p:sldSz cx="12192000" cy="6858000"/>
   <p:notesSz cx="6858000" cy="9144000"/>
@@ -1221,7 +1222,7 @@
           <a:p>
             <a:fld id="{265EB43F-5B02-4A39-ABA6-1416420AA7A8}" type="slidenum">
               <a:rPr lang="en-US" smtClean="0"/>
-              <a:t>17</a:t>
+              <a:t>18</a:t>
             </a:fld>
             <a:endParaRPr lang="en-US"/>
           </a:p>
@@ -6624,27 +6625,6 @@
               <a:t> are at a higher risk of fatal accidents. </a:t>
             </a:r>
           </a:p>
-          <a:p>
-            <a:pPr marL="0" indent="0">
-              <a:buNone/>
-            </a:pPr>
-            <a:r>
-              <a:rPr lang="en-US" u="sng" dirty="0"/>
-              <a:t>What we found:</a:t>
-            </a:r>
-          </a:p>
-          <a:p>
-            <a:r>
-              <a:rPr lang="en-US" dirty="0"/>
-              <a:t>Urban vs Rural</a:t>
-            </a:r>
-          </a:p>
-          <a:p>
-            <a:r>
-              <a:rPr lang="en-US" dirty="0"/>
-              <a:t>Evening Rush vs Rest of the Day</a:t>
-            </a:r>
-          </a:p>
         </p:txBody>
       </p:sp>
       <p:sp>
@@ -6733,7 +6713,7 @@
                   <a:schemeClr val="bg1"/>
                 </a:solidFill>
               </a:rPr>
-              <a:t>Key Findings Continued</a:t>
+              <a:t>Key Findings</a:t>
             </a:r>
           </a:p>
         </p:txBody>
@@ -6776,7 +6756,7 @@
           <a:p>
             <a:r>
               <a:rPr lang="en-US" dirty="0"/>
-              <a:t>Not much difference regardless of day</a:t>
+              <a:t>Small variance per day</a:t>
             </a:r>
           </a:p>
           <a:p>
@@ -6873,6 +6853,140 @@
           <p:cNvPr id="2" name="Title 1">
             <a:extLst>
               <a:ext uri="{FF2B5EF4-FFF2-40B4-BE49-F238E27FC236}">
+                <a16:creationId xmlns:a16="http://schemas.microsoft.com/office/drawing/2014/main" id="{D32C3615-DF0F-4442-AF98-15ACFF8A0A1B}"/>
+              </a:ext>
+            </a:extLst>
+          </p:cNvPr>
+          <p:cNvSpPr>
+            <a:spLocks noGrp="1"/>
+          </p:cNvSpPr>
+          <p:nvPr>
+            <p:ph type="title"/>
+          </p:nvPr>
+        </p:nvSpPr>
+        <p:spPr/>
+        <p:txBody>
+          <a:bodyPr/>
+          <a:lstStyle/>
+          <a:p>
+            <a:r>
+              <a:rPr lang="en-US" dirty="0">
+                <a:solidFill>
+                  <a:schemeClr val="bg1"/>
+                </a:solidFill>
+              </a:rPr>
+              <a:t>Key Findings - Conclusion</a:t>
+            </a:r>
+          </a:p>
+        </p:txBody>
+      </p:sp>
+      <p:sp>
+        <p:nvSpPr>
+          <p:cNvPr id="3" name="Content Placeholder 2">
+            <a:extLst>
+              <a:ext uri="{FF2B5EF4-FFF2-40B4-BE49-F238E27FC236}">
+                <a16:creationId xmlns:a16="http://schemas.microsoft.com/office/drawing/2014/main" id="{0E7DA973-0B9C-489A-918C-FB52E119A727}"/>
+              </a:ext>
+            </a:extLst>
+          </p:cNvPr>
+          <p:cNvSpPr>
+            <a:spLocks noGrp="1"/>
+          </p:cNvSpPr>
+          <p:nvPr>
+            <p:ph idx="1"/>
+          </p:nvPr>
+        </p:nvSpPr>
+        <p:spPr/>
+        <p:txBody>
+          <a:bodyPr/>
+          <a:lstStyle/>
+          <a:p>
+            <a:pPr marL="0" indent="0">
+              <a:buNone/>
+            </a:pPr>
+            <a:r>
+              <a:rPr lang="en-US" u="sng" dirty="0"/>
+              <a:t>Correct Hypothesis</a:t>
+            </a:r>
+          </a:p>
+          <a:p>
+            <a:r>
+              <a:rPr lang="en-US" dirty="0"/>
+              <a:t>Urban fatalities are higher</a:t>
+            </a:r>
+          </a:p>
+          <a:p>
+            <a:r>
+              <a:rPr lang="en-US" dirty="0"/>
+              <a:t>Higher fatalities during evening rush hour</a:t>
+            </a:r>
+          </a:p>
+        </p:txBody>
+      </p:sp>
+      <p:sp>
+        <p:nvSpPr>
+          <p:cNvPr id="4" name="Slide Number Placeholder 3">
+            <a:extLst>
+              <a:ext uri="{FF2B5EF4-FFF2-40B4-BE49-F238E27FC236}">
+                <a16:creationId xmlns:a16="http://schemas.microsoft.com/office/drawing/2014/main" id="{ADD74E41-8DD2-432D-B4CF-DBDFD7DCE517}"/>
+              </a:ext>
+            </a:extLst>
+          </p:cNvPr>
+          <p:cNvSpPr>
+            <a:spLocks noGrp="1"/>
+          </p:cNvSpPr>
+          <p:nvPr>
+            <p:ph type="sldNum" sz="quarter" idx="12"/>
+          </p:nvPr>
+        </p:nvSpPr>
+        <p:spPr/>
+        <p:txBody>
+          <a:bodyPr/>
+          <a:lstStyle/>
+          <a:p>
+            <a:fld id="{B311205A-2B12-4C3C-9B44-D13403EC63C4}" type="slidenum">
+              <a:rPr lang="en-US" smtClean="0"/>
+              <a:t>17</a:t>
+            </a:fld>
+            <a:endParaRPr lang="en-US"/>
+          </a:p>
+        </p:txBody>
+      </p:sp>
+    </p:spTree>
+    <p:extLst>
+      <p:ext uri="{BB962C8B-B14F-4D97-AF65-F5344CB8AC3E}">
+        <p14:creationId xmlns:p14="http://schemas.microsoft.com/office/powerpoint/2010/main" val="3981341965"/>
+      </p:ext>
+    </p:extLst>
+  </p:cSld>
+  <p:clrMapOvr>
+    <a:masterClrMapping/>
+  </p:clrMapOvr>
+</p:sld>
+</file>
+
+<file path=ppt/slides/slide18.xml><?xml version="1.0" encoding="utf-8"?>
+<p:sld xmlns:a="http://schemas.openxmlformats.org/drawingml/2006/main" xmlns:r="http://schemas.openxmlformats.org/officeDocument/2006/relationships" xmlns:p="http://schemas.openxmlformats.org/presentationml/2006/main">
+  <p:cSld>
+    <p:spTree>
+      <p:nvGrpSpPr>
+        <p:cNvPr id="1" name=""/>
+        <p:cNvGrpSpPr/>
+        <p:nvPr/>
+      </p:nvGrpSpPr>
+      <p:grpSpPr>
+        <a:xfrm>
+          <a:off x="0" y="0"/>
+          <a:ext cx="0" cy="0"/>
+          <a:chOff x="0" y="0"/>
+          <a:chExt cx="0" cy="0"/>
+        </a:xfrm>
+      </p:grpSpPr>
+      <p:sp>
+        <p:nvSpPr>
+          <p:cNvPr id="2" name="Title 1">
+            <a:extLst>
+              <a:ext uri="{FF2B5EF4-FFF2-40B4-BE49-F238E27FC236}">
                 <a16:creationId xmlns:a16="http://schemas.microsoft.com/office/drawing/2014/main" id="{2F7AD3BE-06D6-4811-846B-21A101BC5136}"/>
               </a:ext>
             </a:extLst>
@@ -6941,7 +7055,7 @@
           <a:p>
             <a:fld id="{B311205A-2B12-4C3C-9B44-D13403EC63C4}" type="slidenum">
               <a:rPr lang="en-US" smtClean="0"/>
-              <a:t>17</a:t>
+              <a:t>18</a:t>
             </a:fld>
             <a:endParaRPr lang="en-US"/>
           </a:p>

--- a/US Bicycle Fatalities_Group 4_v2.pptx
+++ b/US Bicycle Fatalities_Group 4_v2.pptx
@@ -5,7 +5,7 @@
     <p:sldMasterId id="2147483660" r:id="rId1"/>
   </p:sldMasterIdLst>
   <p:notesMasterIdLst>
-    <p:notesMasterId r:id="rId20"/>
+    <p:notesMasterId r:id="rId19"/>
   </p:notesMasterIdLst>
   <p:sldIdLst>
     <p:sldId id="256" r:id="rId2"/>
@@ -24,8 +24,7 @@
     <p:sldId id="272" r:id="rId15"/>
     <p:sldId id="261" r:id="rId16"/>
     <p:sldId id="275" r:id="rId17"/>
-    <p:sldId id="276" r:id="rId18"/>
-    <p:sldId id="274" r:id="rId19"/>
+    <p:sldId id="274" r:id="rId18"/>
   </p:sldIdLst>
   <p:sldSz cx="12192000" cy="6858000"/>
   <p:notesSz cx="6858000" cy="9144000"/>
@@ -1222,7 +1221,7 @@
           <a:p>
             <a:fld id="{265EB43F-5B02-4A39-ABA6-1416420AA7A8}" type="slidenum">
               <a:rPr lang="en-US" smtClean="0"/>
-              <a:t>18</a:t>
+              <a:t>17</a:t>
             </a:fld>
             <a:endParaRPr lang="en-US"/>
           </a:p>
@@ -6578,7 +6577,12 @@
             <p:ph idx="1"/>
           </p:nvPr>
         </p:nvSpPr>
-        <p:spPr/>
+        <p:spPr>
+          <a:xfrm>
+            <a:off x="684682" y="1800147"/>
+            <a:ext cx="10994760" cy="4479343"/>
+          </a:xfrm>
+        </p:spPr>
         <p:txBody>
           <a:bodyPr/>
           <a:lstStyle/>
@@ -6713,7 +6717,7 @@
                   <a:schemeClr val="bg1"/>
                 </a:solidFill>
               </a:rPr>
-              <a:t>Key Findings</a:t>
+              <a:t>Key Findings Continued</a:t>
             </a:r>
           </a:p>
         </p:txBody>
@@ -6756,7 +6760,7 @@
           <a:p>
             <a:r>
               <a:rPr lang="en-US" dirty="0"/>
-              <a:t>Small variance per day</a:t>
+              <a:t>Not much difference regardless of day</a:t>
             </a:r>
           </a:p>
           <a:p>
@@ -6853,140 +6857,6 @@
           <p:cNvPr id="2" name="Title 1">
             <a:extLst>
               <a:ext uri="{FF2B5EF4-FFF2-40B4-BE49-F238E27FC236}">
-                <a16:creationId xmlns:a16="http://schemas.microsoft.com/office/drawing/2014/main" id="{D32C3615-DF0F-4442-AF98-15ACFF8A0A1B}"/>
-              </a:ext>
-            </a:extLst>
-          </p:cNvPr>
-          <p:cNvSpPr>
-            <a:spLocks noGrp="1"/>
-          </p:cNvSpPr>
-          <p:nvPr>
-            <p:ph type="title"/>
-          </p:nvPr>
-        </p:nvSpPr>
-        <p:spPr/>
-        <p:txBody>
-          <a:bodyPr/>
-          <a:lstStyle/>
-          <a:p>
-            <a:r>
-              <a:rPr lang="en-US" dirty="0">
-                <a:solidFill>
-                  <a:schemeClr val="bg1"/>
-                </a:solidFill>
-              </a:rPr>
-              <a:t>Key Findings - Conclusion</a:t>
-            </a:r>
-          </a:p>
-        </p:txBody>
-      </p:sp>
-      <p:sp>
-        <p:nvSpPr>
-          <p:cNvPr id="3" name="Content Placeholder 2">
-            <a:extLst>
-              <a:ext uri="{FF2B5EF4-FFF2-40B4-BE49-F238E27FC236}">
-                <a16:creationId xmlns:a16="http://schemas.microsoft.com/office/drawing/2014/main" id="{0E7DA973-0B9C-489A-918C-FB52E119A727}"/>
-              </a:ext>
-            </a:extLst>
-          </p:cNvPr>
-          <p:cNvSpPr>
-            <a:spLocks noGrp="1"/>
-          </p:cNvSpPr>
-          <p:nvPr>
-            <p:ph idx="1"/>
-          </p:nvPr>
-        </p:nvSpPr>
-        <p:spPr/>
-        <p:txBody>
-          <a:bodyPr/>
-          <a:lstStyle/>
-          <a:p>
-            <a:pPr marL="0" indent="0">
-              <a:buNone/>
-            </a:pPr>
-            <a:r>
-              <a:rPr lang="en-US" u="sng" dirty="0"/>
-              <a:t>Correct Hypothesis</a:t>
-            </a:r>
-          </a:p>
-          <a:p>
-            <a:r>
-              <a:rPr lang="en-US" dirty="0"/>
-              <a:t>Urban fatalities are higher</a:t>
-            </a:r>
-          </a:p>
-          <a:p>
-            <a:r>
-              <a:rPr lang="en-US" dirty="0"/>
-              <a:t>Higher fatalities during evening rush hour</a:t>
-            </a:r>
-          </a:p>
-        </p:txBody>
-      </p:sp>
-      <p:sp>
-        <p:nvSpPr>
-          <p:cNvPr id="4" name="Slide Number Placeholder 3">
-            <a:extLst>
-              <a:ext uri="{FF2B5EF4-FFF2-40B4-BE49-F238E27FC236}">
-                <a16:creationId xmlns:a16="http://schemas.microsoft.com/office/drawing/2014/main" id="{ADD74E41-8DD2-432D-B4CF-DBDFD7DCE517}"/>
-              </a:ext>
-            </a:extLst>
-          </p:cNvPr>
-          <p:cNvSpPr>
-            <a:spLocks noGrp="1"/>
-          </p:cNvSpPr>
-          <p:nvPr>
-            <p:ph type="sldNum" sz="quarter" idx="12"/>
-          </p:nvPr>
-        </p:nvSpPr>
-        <p:spPr/>
-        <p:txBody>
-          <a:bodyPr/>
-          <a:lstStyle/>
-          <a:p>
-            <a:fld id="{B311205A-2B12-4C3C-9B44-D13403EC63C4}" type="slidenum">
-              <a:rPr lang="en-US" smtClean="0"/>
-              <a:t>17</a:t>
-            </a:fld>
-            <a:endParaRPr lang="en-US"/>
-          </a:p>
-        </p:txBody>
-      </p:sp>
-    </p:spTree>
-    <p:extLst>
-      <p:ext uri="{BB962C8B-B14F-4D97-AF65-F5344CB8AC3E}">
-        <p14:creationId xmlns:p14="http://schemas.microsoft.com/office/powerpoint/2010/main" val="3981341965"/>
-      </p:ext>
-    </p:extLst>
-  </p:cSld>
-  <p:clrMapOvr>
-    <a:masterClrMapping/>
-  </p:clrMapOvr>
-</p:sld>
-</file>
-
-<file path=ppt/slides/slide18.xml><?xml version="1.0" encoding="utf-8"?>
-<p:sld xmlns:a="http://schemas.openxmlformats.org/drawingml/2006/main" xmlns:r="http://schemas.openxmlformats.org/officeDocument/2006/relationships" xmlns:p="http://schemas.openxmlformats.org/presentationml/2006/main">
-  <p:cSld>
-    <p:spTree>
-      <p:nvGrpSpPr>
-        <p:cNvPr id="1" name=""/>
-        <p:cNvGrpSpPr/>
-        <p:nvPr/>
-      </p:nvGrpSpPr>
-      <p:grpSpPr>
-        <a:xfrm>
-          <a:off x="0" y="0"/>
-          <a:ext cx="0" cy="0"/>
-          <a:chOff x="0" y="0"/>
-          <a:chExt cx="0" cy="0"/>
-        </a:xfrm>
-      </p:grpSpPr>
-      <p:sp>
-        <p:nvSpPr>
-          <p:cNvPr id="2" name="Title 1">
-            <a:extLst>
-              <a:ext uri="{FF2B5EF4-FFF2-40B4-BE49-F238E27FC236}">
                 <a16:creationId xmlns:a16="http://schemas.microsoft.com/office/drawing/2014/main" id="{2F7AD3BE-06D6-4811-846B-21A101BC5136}"/>
               </a:ext>
             </a:extLst>
@@ -7003,7 +6873,14 @@
           <a:bodyPr/>
           <a:lstStyle/>
           <a:p>
-            <a:endParaRPr lang="en-US"/>
+            <a:r>
+              <a:rPr lang="en-US" dirty="0">
+                <a:solidFill>
+                  <a:schemeClr val="bg1"/>
+                </a:solidFill>
+              </a:rPr>
+              <a:t>Key Findings Concluded</a:t>
+            </a:r>
           </a:p>
         </p:txBody>
       </p:sp>
@@ -7028,7 +6905,25 @@
           <a:bodyPr/>
           <a:lstStyle/>
           <a:p>
-            <a:endParaRPr lang="en-US"/>
+            <a:pPr marL="0" indent="0">
+              <a:buNone/>
+            </a:pPr>
+            <a:r>
+              <a:rPr lang="en-US" u="sng" dirty="0"/>
+              <a:t>What we found:</a:t>
+            </a:r>
+          </a:p>
+          <a:p>
+            <a:r>
+              <a:rPr lang="en-US" dirty="0"/>
+              <a:t>Urban vs Rural</a:t>
+            </a:r>
+          </a:p>
+          <a:p>
+            <a:r>
+              <a:rPr lang="en-US" dirty="0"/>
+              <a:t>Evening Rush vs Rest of the Day</a:t>
+            </a:r>
           </a:p>
         </p:txBody>
       </p:sp>
@@ -7055,7 +6950,7 @@
           <a:p>
             <a:fld id="{B311205A-2B12-4C3C-9B44-D13403EC63C4}" type="slidenum">
               <a:rPr lang="en-US" smtClean="0"/>
-              <a:t>18</a:t>
+              <a:t>17</a:t>
             </a:fld>
             <a:endParaRPr lang="en-US"/>
           </a:p>
@@ -7265,7 +7160,7 @@
           <a:p>
             <a:r>
               <a:rPr lang="en-US" dirty="0"/>
-              <a:t>Bicyclists travelling during </a:t>
+              <a:t>Bicyclists traveling during </a:t>
             </a:r>
             <a:r>
               <a:rPr lang="en-US" b="1" dirty="0"/>
